--- a/PitchDeck.pptx
+++ b/PitchDeck.pptx
@@ -114,6 +114,11 @@
       </a:defRPr>
     </a:lvl9pPr>
   </p:defaultTextStyle>
+  <p:extLst>
+    <p:ext uri="{EFAFB233-063F-42B5-8137-9DF3F51BA10A}">
+      <p15:sldGuideLst xmlns:p15="http://schemas.microsoft.com/office/powerpoint/2012/main"/>
+    </p:ext>
+  </p:extLst>
 </p:presentation>
 </file>
 
@@ -3796,7 +3801,7 @@
           <a:p>
             <a:r>
               <a:rPr lang="en-US" dirty="0"/>
-              <a:t>How to know what amount of kg is exported and imported in the next months? </a:t>
+              <a:t>Problem: How to know what amount of kg is exported and imported in the next months? </a:t>
             </a:r>
           </a:p>
         </p:txBody>
@@ -3826,6 +3831,9 @@
               <a:rPr lang="en-US" dirty="0"/>
               <a:t>To be able to not make more or less then the amount ultimately sold</a:t>
             </a:r>
+          </a:p>
+          <a:p>
+            <a:endParaRPr lang="en-US" dirty="0"/>
           </a:p>
         </p:txBody>
       </p:sp>
@@ -3908,6 +3916,20 @@
           <a:bodyPr/>
           <a:lstStyle/>
           <a:p>
+            <a:r>
+              <a:rPr lang="en-US" dirty="0"/>
+              <a:t>Predicting 4 months: October 2025 – January 2026</a:t>
+            </a:r>
+          </a:p>
+          <a:p>
+            <a:r>
+              <a:rPr lang="en-US" dirty="0"/>
+              <a:t>Only get October 2025 data available in time for presentation so we will use this to see how accurate </a:t>
+            </a:r>
+            <a:r>
+              <a:rPr lang="en-US"/>
+              <a:t>our prediction is</a:t>
+            </a:r>
             <a:endParaRPr lang="en-US" dirty="0"/>
           </a:p>
         </p:txBody>

--- a/PitchDeck.pptx
+++ b/PitchDeck.pptx
@@ -4,6 +4,9 @@
   <p:sldMasterIdLst>
     <p:sldMasterId id="2147483648" r:id="rId1"/>
   </p:sldMasterIdLst>
+  <p:notesMasterIdLst>
+    <p:notesMasterId r:id="rId14"/>
+  </p:notesMasterIdLst>
   <p:sldIdLst>
     <p:sldId id="256" r:id="rId2"/>
     <p:sldId id="257" r:id="rId3"/>
@@ -13,9 +16,10 @@
     <p:sldId id="261" r:id="rId7"/>
     <p:sldId id="262" r:id="rId8"/>
     <p:sldId id="263" r:id="rId9"/>
-    <p:sldId id="264" r:id="rId10"/>
-    <p:sldId id="265" r:id="rId11"/>
-    <p:sldId id="266" r:id="rId12"/>
+    <p:sldId id="267" r:id="rId10"/>
+    <p:sldId id="264" r:id="rId11"/>
+    <p:sldId id="265" r:id="rId12"/>
+    <p:sldId id="266" r:id="rId13"/>
   </p:sldIdLst>
   <p:sldSz cx="12192000" cy="6858000"/>
   <p:notesSz cx="6858000" cy="9144000"/>
@@ -122,6 +126,464 @@
 </p:presentation>
 </file>
 
+<file path=ppt/notesMasters/notesMaster1.xml><?xml version="1.0" encoding="utf-8"?>
+<p:notesMaster xmlns:a="http://schemas.openxmlformats.org/drawingml/2006/main" xmlns:r="http://schemas.openxmlformats.org/officeDocument/2006/relationships" xmlns:p="http://schemas.openxmlformats.org/presentationml/2006/main">
+  <p:cSld>
+    <p:bg>
+      <p:bgRef idx="1001">
+        <a:schemeClr val="bg1"/>
+      </p:bgRef>
+    </p:bg>
+    <p:spTree>
+      <p:nvGrpSpPr>
+        <p:cNvPr id="1" name=""/>
+        <p:cNvGrpSpPr/>
+        <p:nvPr/>
+      </p:nvGrpSpPr>
+      <p:grpSpPr>
+        <a:xfrm>
+          <a:off x="0" y="0"/>
+          <a:ext cx="0" cy="0"/>
+          <a:chOff x="0" y="0"/>
+          <a:chExt cx="0" cy="0"/>
+        </a:xfrm>
+      </p:grpSpPr>
+      <p:sp>
+        <p:nvSpPr>
+          <p:cNvPr id="2" name="Kopfzeilenplatzhalter 1"/>
+          <p:cNvSpPr>
+            <a:spLocks noGrp="1"/>
+          </p:cNvSpPr>
+          <p:nvPr>
+            <p:ph type="hdr" sz="quarter"/>
+          </p:nvPr>
+        </p:nvSpPr>
+        <p:spPr>
+          <a:xfrm>
+            <a:off x="0" y="0"/>
+            <a:ext cx="2971800" cy="458788"/>
+          </a:xfrm>
+          <a:prstGeom prst="rect">
+            <a:avLst/>
+          </a:prstGeom>
+        </p:spPr>
+        <p:txBody>
+          <a:bodyPr vert="horz" lIns="91440" tIns="45720" rIns="91440" bIns="45720" rtlCol="0"/>
+          <a:lstStyle>
+            <a:lvl1pPr algn="l">
+              <a:defRPr sz="1200"/>
+            </a:lvl1pPr>
+          </a:lstStyle>
+          <a:p>
+            <a:endParaRPr lang="en-US"/>
+          </a:p>
+        </p:txBody>
+      </p:sp>
+      <p:sp>
+        <p:nvSpPr>
+          <p:cNvPr id="3" name="Datumsplatzhalter 2"/>
+          <p:cNvSpPr>
+            <a:spLocks noGrp="1"/>
+          </p:cNvSpPr>
+          <p:nvPr>
+            <p:ph type="dt" idx="1"/>
+          </p:nvPr>
+        </p:nvSpPr>
+        <p:spPr>
+          <a:xfrm>
+            <a:off x="3884613" y="0"/>
+            <a:ext cx="2971800" cy="458788"/>
+          </a:xfrm>
+          <a:prstGeom prst="rect">
+            <a:avLst/>
+          </a:prstGeom>
+        </p:spPr>
+        <p:txBody>
+          <a:bodyPr vert="horz" lIns="91440" tIns="45720" rIns="91440" bIns="45720" rtlCol="0"/>
+          <a:lstStyle>
+            <a:lvl1pPr algn="r">
+              <a:defRPr sz="1200"/>
+            </a:lvl1pPr>
+          </a:lstStyle>
+          <a:p>
+            <a:fld id="{2F4F65FB-8A28-4728-AE76-2945B320A34A}" type="datetimeFigureOut">
+              <a:rPr lang="en-US" smtClean="0"/>
+              <a:t>12/31/2025</a:t>
+            </a:fld>
+            <a:endParaRPr lang="en-US"/>
+          </a:p>
+        </p:txBody>
+      </p:sp>
+      <p:sp>
+        <p:nvSpPr>
+          <p:cNvPr id="4" name="Folienbildplatzhalter 3"/>
+          <p:cNvSpPr>
+            <a:spLocks noGrp="1" noRot="1" noChangeAspect="1"/>
+          </p:cNvSpPr>
+          <p:nvPr>
+            <p:ph type="sldImg" idx="2"/>
+          </p:nvPr>
+        </p:nvSpPr>
+        <p:spPr>
+          <a:xfrm>
+            <a:off x="685800" y="1143000"/>
+            <a:ext cx="5486400" cy="3086100"/>
+          </a:xfrm>
+          <a:prstGeom prst="rect">
+            <a:avLst/>
+          </a:prstGeom>
+          <a:noFill/>
+          <a:ln w="12700">
+            <a:solidFill>
+              <a:prstClr val="black"/>
+            </a:solidFill>
+          </a:ln>
+        </p:spPr>
+        <p:txBody>
+          <a:bodyPr vert="horz" lIns="91440" tIns="45720" rIns="91440" bIns="45720" rtlCol="0" anchor="ctr"/>
+          <a:lstStyle/>
+          <a:p>
+            <a:endParaRPr lang="en-US"/>
+          </a:p>
+        </p:txBody>
+      </p:sp>
+      <p:sp>
+        <p:nvSpPr>
+          <p:cNvPr id="5" name="Notizenplatzhalter 4"/>
+          <p:cNvSpPr>
+            <a:spLocks noGrp="1"/>
+          </p:cNvSpPr>
+          <p:nvPr>
+            <p:ph type="body" sz="quarter" idx="3"/>
+          </p:nvPr>
+        </p:nvSpPr>
+        <p:spPr>
+          <a:xfrm>
+            <a:off x="685800" y="4400550"/>
+            <a:ext cx="5486400" cy="3600450"/>
+          </a:xfrm>
+          <a:prstGeom prst="rect">
+            <a:avLst/>
+          </a:prstGeom>
+        </p:spPr>
+        <p:txBody>
+          <a:bodyPr vert="horz" lIns="91440" tIns="45720" rIns="91440" bIns="45720" rtlCol="0"/>
+          <a:lstStyle/>
+          <a:p>
+            <a:pPr lvl="0"/>
+            <a:r>
+              <a:rPr lang="de-DE"/>
+              <a:t>Mastertextformat bearbeiten</a:t>
+            </a:r>
+          </a:p>
+          <a:p>
+            <a:pPr lvl="1"/>
+            <a:r>
+              <a:rPr lang="de-DE"/>
+              <a:t>Zweite Ebene</a:t>
+            </a:r>
+          </a:p>
+          <a:p>
+            <a:pPr lvl="2"/>
+            <a:r>
+              <a:rPr lang="de-DE"/>
+              <a:t>Dritte Ebene</a:t>
+            </a:r>
+          </a:p>
+          <a:p>
+            <a:pPr lvl="3"/>
+            <a:r>
+              <a:rPr lang="de-DE"/>
+              <a:t>Vierte Ebene</a:t>
+            </a:r>
+          </a:p>
+          <a:p>
+            <a:pPr lvl="4"/>
+            <a:r>
+              <a:rPr lang="de-DE"/>
+              <a:t>Fünfte Ebene</a:t>
+            </a:r>
+            <a:endParaRPr lang="en-US"/>
+          </a:p>
+        </p:txBody>
+      </p:sp>
+      <p:sp>
+        <p:nvSpPr>
+          <p:cNvPr id="6" name="Fußzeilenplatzhalter 5"/>
+          <p:cNvSpPr>
+            <a:spLocks noGrp="1"/>
+          </p:cNvSpPr>
+          <p:nvPr>
+            <p:ph type="ftr" sz="quarter" idx="4"/>
+          </p:nvPr>
+        </p:nvSpPr>
+        <p:spPr>
+          <a:xfrm>
+            <a:off x="0" y="8685213"/>
+            <a:ext cx="2971800" cy="458787"/>
+          </a:xfrm>
+          <a:prstGeom prst="rect">
+            <a:avLst/>
+          </a:prstGeom>
+        </p:spPr>
+        <p:txBody>
+          <a:bodyPr vert="horz" lIns="91440" tIns="45720" rIns="91440" bIns="45720" rtlCol="0" anchor="b"/>
+          <a:lstStyle>
+            <a:lvl1pPr algn="l">
+              <a:defRPr sz="1200"/>
+            </a:lvl1pPr>
+          </a:lstStyle>
+          <a:p>
+            <a:endParaRPr lang="en-US"/>
+          </a:p>
+        </p:txBody>
+      </p:sp>
+      <p:sp>
+        <p:nvSpPr>
+          <p:cNvPr id="7" name="Foliennummernplatzhalter 6"/>
+          <p:cNvSpPr>
+            <a:spLocks noGrp="1"/>
+          </p:cNvSpPr>
+          <p:nvPr>
+            <p:ph type="sldNum" sz="quarter" idx="5"/>
+          </p:nvPr>
+        </p:nvSpPr>
+        <p:spPr>
+          <a:xfrm>
+            <a:off x="3884613" y="8685213"/>
+            <a:ext cx="2971800" cy="458787"/>
+          </a:xfrm>
+          <a:prstGeom prst="rect">
+            <a:avLst/>
+          </a:prstGeom>
+        </p:spPr>
+        <p:txBody>
+          <a:bodyPr vert="horz" lIns="91440" tIns="45720" rIns="91440" bIns="45720" rtlCol="0" anchor="b"/>
+          <a:lstStyle>
+            <a:lvl1pPr algn="r">
+              <a:defRPr sz="1200"/>
+            </a:lvl1pPr>
+          </a:lstStyle>
+          <a:p>
+            <a:fld id="{A4DC0892-DB49-474C-9905-CF449DF20FFB}" type="slidenum">
+              <a:rPr lang="en-US" smtClean="0"/>
+              <a:t>‹Nr.›</a:t>
+            </a:fld>
+            <a:endParaRPr lang="en-US"/>
+          </a:p>
+        </p:txBody>
+      </p:sp>
+    </p:spTree>
+    <p:extLst>
+      <p:ext uri="{BB962C8B-B14F-4D97-AF65-F5344CB8AC3E}">
+        <p14:creationId xmlns:p14="http://schemas.microsoft.com/office/powerpoint/2010/main" val="3324487049"/>
+      </p:ext>
+    </p:extLst>
+  </p:cSld>
+  <p:clrMap bg1="lt1" tx1="dk1" bg2="lt2" tx2="dk2" accent1="accent1" accent2="accent2" accent3="accent3" accent4="accent4" accent5="accent5" accent6="accent6" hlink="hlink" folHlink="folHlink"/>
+  <p:notesStyle>
+    <a:lvl1pPr marL="0" algn="l" defTabSz="914400" rtl="0" eaLnBrk="1" latinLnBrk="0" hangingPunct="1">
+      <a:defRPr sz="1200" kern="1200">
+        <a:solidFill>
+          <a:schemeClr val="tx1"/>
+        </a:solidFill>
+        <a:latin typeface="+mn-lt"/>
+        <a:ea typeface="+mn-ea"/>
+        <a:cs typeface="+mn-cs"/>
+      </a:defRPr>
+    </a:lvl1pPr>
+    <a:lvl2pPr marL="457200" algn="l" defTabSz="914400" rtl="0" eaLnBrk="1" latinLnBrk="0" hangingPunct="1">
+      <a:defRPr sz="1200" kern="1200">
+        <a:solidFill>
+          <a:schemeClr val="tx1"/>
+        </a:solidFill>
+        <a:latin typeface="+mn-lt"/>
+        <a:ea typeface="+mn-ea"/>
+        <a:cs typeface="+mn-cs"/>
+      </a:defRPr>
+    </a:lvl2pPr>
+    <a:lvl3pPr marL="914400" algn="l" defTabSz="914400" rtl="0" eaLnBrk="1" latinLnBrk="0" hangingPunct="1">
+      <a:defRPr sz="1200" kern="1200">
+        <a:solidFill>
+          <a:schemeClr val="tx1"/>
+        </a:solidFill>
+        <a:latin typeface="+mn-lt"/>
+        <a:ea typeface="+mn-ea"/>
+        <a:cs typeface="+mn-cs"/>
+      </a:defRPr>
+    </a:lvl3pPr>
+    <a:lvl4pPr marL="1371600" algn="l" defTabSz="914400" rtl="0" eaLnBrk="1" latinLnBrk="0" hangingPunct="1">
+      <a:defRPr sz="1200" kern="1200">
+        <a:solidFill>
+          <a:schemeClr val="tx1"/>
+        </a:solidFill>
+        <a:latin typeface="+mn-lt"/>
+        <a:ea typeface="+mn-ea"/>
+        <a:cs typeface="+mn-cs"/>
+      </a:defRPr>
+    </a:lvl4pPr>
+    <a:lvl5pPr marL="1828800" algn="l" defTabSz="914400" rtl="0" eaLnBrk="1" latinLnBrk="0" hangingPunct="1">
+      <a:defRPr sz="1200" kern="1200">
+        <a:solidFill>
+          <a:schemeClr val="tx1"/>
+        </a:solidFill>
+        <a:latin typeface="+mn-lt"/>
+        <a:ea typeface="+mn-ea"/>
+        <a:cs typeface="+mn-cs"/>
+      </a:defRPr>
+    </a:lvl5pPr>
+    <a:lvl6pPr marL="2286000" algn="l" defTabSz="914400" rtl="0" eaLnBrk="1" latinLnBrk="0" hangingPunct="1">
+      <a:defRPr sz="1200" kern="1200">
+        <a:solidFill>
+          <a:schemeClr val="tx1"/>
+        </a:solidFill>
+        <a:latin typeface="+mn-lt"/>
+        <a:ea typeface="+mn-ea"/>
+        <a:cs typeface="+mn-cs"/>
+      </a:defRPr>
+    </a:lvl6pPr>
+    <a:lvl7pPr marL="2743200" algn="l" defTabSz="914400" rtl="0" eaLnBrk="1" latinLnBrk="0" hangingPunct="1">
+      <a:defRPr sz="1200" kern="1200">
+        <a:solidFill>
+          <a:schemeClr val="tx1"/>
+        </a:solidFill>
+        <a:latin typeface="+mn-lt"/>
+        <a:ea typeface="+mn-ea"/>
+        <a:cs typeface="+mn-cs"/>
+      </a:defRPr>
+    </a:lvl7pPr>
+    <a:lvl8pPr marL="3200400" algn="l" defTabSz="914400" rtl="0" eaLnBrk="1" latinLnBrk="0" hangingPunct="1">
+      <a:defRPr sz="1200" kern="1200">
+        <a:solidFill>
+          <a:schemeClr val="tx1"/>
+        </a:solidFill>
+        <a:latin typeface="+mn-lt"/>
+        <a:ea typeface="+mn-ea"/>
+        <a:cs typeface="+mn-cs"/>
+      </a:defRPr>
+    </a:lvl8pPr>
+    <a:lvl9pPr marL="3657600" algn="l" defTabSz="914400" rtl="0" eaLnBrk="1" latinLnBrk="0" hangingPunct="1">
+      <a:defRPr sz="1200" kern="1200">
+        <a:solidFill>
+          <a:schemeClr val="tx1"/>
+        </a:solidFill>
+        <a:latin typeface="+mn-lt"/>
+        <a:ea typeface="+mn-ea"/>
+        <a:cs typeface="+mn-cs"/>
+      </a:defRPr>
+    </a:lvl9pPr>
+  </p:notesStyle>
+</p:notesMaster>
+</file>
+
+<file path=ppt/notesSlides/notesSlide1.xml><?xml version="1.0" encoding="utf-8"?>
+<p:notes xmlns:a="http://schemas.openxmlformats.org/drawingml/2006/main" xmlns:r="http://schemas.openxmlformats.org/officeDocument/2006/relationships" xmlns:p="http://schemas.openxmlformats.org/presentationml/2006/main">
+  <p:cSld>
+    <p:spTree>
+      <p:nvGrpSpPr>
+        <p:cNvPr id="1" name=""/>
+        <p:cNvGrpSpPr/>
+        <p:nvPr/>
+      </p:nvGrpSpPr>
+      <p:grpSpPr>
+        <a:xfrm>
+          <a:off x="0" y="0"/>
+          <a:ext cx="0" cy="0"/>
+          <a:chOff x="0" y="0"/>
+          <a:chExt cx="0" cy="0"/>
+        </a:xfrm>
+      </p:grpSpPr>
+      <p:sp>
+        <p:nvSpPr>
+          <p:cNvPr id="2" name="Folienbildplatzhalter 1"/>
+          <p:cNvSpPr>
+            <a:spLocks noGrp="1" noRot="1" noChangeAspect="1"/>
+          </p:cNvSpPr>
+          <p:nvPr>
+            <p:ph type="sldImg"/>
+          </p:nvPr>
+        </p:nvSpPr>
+        <p:spPr/>
+      </p:sp>
+      <p:sp>
+        <p:nvSpPr>
+          <p:cNvPr id="3" name="Notizenplatzhalter 2"/>
+          <p:cNvSpPr>
+            <a:spLocks noGrp="1"/>
+          </p:cNvSpPr>
+          <p:nvPr>
+            <p:ph type="body" idx="1"/>
+          </p:nvPr>
+        </p:nvSpPr>
+        <p:spPr/>
+        <p:txBody>
+          <a:bodyPr/>
+          <a:lstStyle/>
+          <a:p>
+            <a:r>
+              <a:rPr lang="en-US" dirty="0"/>
+              <a:t>Inflation drives value growth more than demand</a:t>
+            </a:r>
+          </a:p>
+          <a:p>
+            <a:r>
+              <a:rPr lang="en-US" dirty="0"/>
+              <a:t>Simple models can be surprisingly strong</a:t>
+            </a:r>
+          </a:p>
+          <a:p>
+            <a:r>
+              <a:rPr lang="en-US" dirty="0"/>
+              <a:t>Combining model families yields reliable forecasts</a:t>
+            </a:r>
+          </a:p>
+          <a:p>
+            <a:r>
+              <a:rPr lang="en-US" dirty="0"/>
+              <a:t>Clear value for policy and business decisions</a:t>
+            </a:r>
+          </a:p>
+          <a:p>
+            <a:endParaRPr lang="en-US" dirty="0"/>
+          </a:p>
+        </p:txBody>
+      </p:sp>
+      <p:sp>
+        <p:nvSpPr>
+          <p:cNvPr id="4" name="Foliennummernplatzhalter 3"/>
+          <p:cNvSpPr>
+            <a:spLocks noGrp="1"/>
+          </p:cNvSpPr>
+          <p:nvPr>
+            <p:ph type="sldNum" sz="quarter" idx="5"/>
+          </p:nvPr>
+        </p:nvSpPr>
+        <p:spPr/>
+        <p:txBody>
+          <a:bodyPr/>
+          <a:lstStyle/>
+          <a:p>
+            <a:fld id="{A4DC0892-DB49-474C-9905-CF449DF20FFB}" type="slidenum">
+              <a:rPr lang="en-US" smtClean="0"/>
+              <a:t>12</a:t>
+            </a:fld>
+            <a:endParaRPr lang="en-US"/>
+          </a:p>
+        </p:txBody>
+      </p:sp>
+    </p:spTree>
+    <p:extLst>
+      <p:ext uri="{BB962C8B-B14F-4D97-AF65-F5344CB8AC3E}">
+        <p14:creationId xmlns:p14="http://schemas.microsoft.com/office/powerpoint/2010/main" val="3282504208"/>
+      </p:ext>
+    </p:extLst>
+  </p:cSld>
+  <p:clrMapOvr>
+    <a:masterClrMapping/>
+  </p:clrMapOvr>
+</p:notes>
+</file>
+
 <file path=ppt/slideLayouts/slideLayout1.xml><?xml version="1.0" encoding="utf-8"?>
 <p:sldLayout xmlns:a="http://schemas.openxmlformats.org/drawingml/2006/main" xmlns:r="http://schemas.openxmlformats.org/officeDocument/2006/relationships" xmlns:p="http://schemas.openxmlformats.org/presentationml/2006/main" type="title" preserve="1">
   <p:cSld name="Titelfolie">
@@ -271,7 +733,7 @@
           <a:p>
             <a:fld id="{ABD3DCDF-DC49-467E-A828-F0567435869A}" type="datetimeFigureOut">
               <a:rPr lang="en-US" smtClean="0"/>
-              <a:t>12/28/2025</a:t>
+              <a:t>12/31/2025</a:t>
             </a:fld>
             <a:endParaRPr lang="en-US"/>
           </a:p>
@@ -471,7 +933,7 @@
           <a:p>
             <a:fld id="{ABD3DCDF-DC49-467E-A828-F0567435869A}" type="datetimeFigureOut">
               <a:rPr lang="en-US" smtClean="0"/>
-              <a:t>12/28/2025</a:t>
+              <a:t>12/31/2025</a:t>
             </a:fld>
             <a:endParaRPr lang="en-US"/>
           </a:p>
@@ -681,7 +1143,7 @@
           <a:p>
             <a:fld id="{ABD3DCDF-DC49-467E-A828-F0567435869A}" type="datetimeFigureOut">
               <a:rPr lang="en-US" smtClean="0"/>
-              <a:t>12/28/2025</a:t>
+              <a:t>12/31/2025</a:t>
             </a:fld>
             <a:endParaRPr lang="en-US"/>
           </a:p>
@@ -881,7 +1343,7 @@
           <a:p>
             <a:fld id="{ABD3DCDF-DC49-467E-A828-F0567435869A}" type="datetimeFigureOut">
               <a:rPr lang="en-US" smtClean="0"/>
-              <a:t>12/28/2025</a:t>
+              <a:t>12/31/2025</a:t>
             </a:fld>
             <a:endParaRPr lang="en-US"/>
           </a:p>
@@ -1157,7 +1619,7 @@
           <a:p>
             <a:fld id="{ABD3DCDF-DC49-467E-A828-F0567435869A}" type="datetimeFigureOut">
               <a:rPr lang="en-US" smtClean="0"/>
-              <a:t>12/28/2025</a:t>
+              <a:t>12/31/2025</a:t>
             </a:fld>
             <a:endParaRPr lang="en-US"/>
           </a:p>
@@ -1425,7 +1887,7 @@
           <a:p>
             <a:fld id="{ABD3DCDF-DC49-467E-A828-F0567435869A}" type="datetimeFigureOut">
               <a:rPr lang="en-US" smtClean="0"/>
-              <a:t>12/28/2025</a:t>
+              <a:t>12/31/2025</a:t>
             </a:fld>
             <a:endParaRPr lang="en-US"/>
           </a:p>
@@ -1840,7 +2302,7 @@
           <a:p>
             <a:fld id="{ABD3DCDF-DC49-467E-A828-F0567435869A}" type="datetimeFigureOut">
               <a:rPr lang="en-US" smtClean="0"/>
-              <a:t>12/28/2025</a:t>
+              <a:t>12/31/2025</a:t>
             </a:fld>
             <a:endParaRPr lang="en-US"/>
           </a:p>
@@ -1982,7 +2444,7 @@
           <a:p>
             <a:fld id="{ABD3DCDF-DC49-467E-A828-F0567435869A}" type="datetimeFigureOut">
               <a:rPr lang="en-US" smtClean="0"/>
-              <a:t>12/28/2025</a:t>
+              <a:t>12/31/2025</a:t>
             </a:fld>
             <a:endParaRPr lang="en-US"/>
           </a:p>
@@ -2095,7 +2557,7 @@
           <a:p>
             <a:fld id="{ABD3DCDF-DC49-467E-A828-F0567435869A}" type="datetimeFigureOut">
               <a:rPr lang="en-US" smtClean="0"/>
-              <a:t>12/28/2025</a:t>
+              <a:t>12/31/2025</a:t>
             </a:fld>
             <a:endParaRPr lang="en-US"/>
           </a:p>
@@ -2408,7 +2870,7 @@
           <a:p>
             <a:fld id="{ABD3DCDF-DC49-467E-A828-F0567435869A}" type="datetimeFigureOut">
               <a:rPr lang="en-US" smtClean="0"/>
-              <a:t>12/28/2025</a:t>
+              <a:t>12/31/2025</a:t>
             </a:fld>
             <a:endParaRPr lang="en-US"/>
           </a:p>
@@ -2697,7 +3159,7 @@
           <a:p>
             <a:fld id="{ABD3DCDF-DC49-467E-A828-F0567435869A}" type="datetimeFigureOut">
               <a:rPr lang="en-US" smtClean="0"/>
-              <a:t>12/28/2025</a:t>
+              <a:t>12/31/2025</a:t>
             </a:fld>
             <a:endParaRPr lang="en-US"/>
           </a:p>
@@ -2940,7 +3402,7 @@
           <a:p>
             <a:fld id="{ABD3DCDF-DC49-467E-A828-F0567435869A}" type="datetimeFigureOut">
               <a:rPr lang="en-US" smtClean="0"/>
-              <a:t>12/28/2025</a:t>
+              <a:t>12/31/2025</a:t>
             </a:fld>
             <a:endParaRPr lang="en-US"/>
           </a:p>
@@ -3433,10 +3895,9 @@
           </a:p>
           <a:p>
             <a:r>
-              <a:rPr lang="en-US"/>
-              <a:t>FIRST DRAFT – NO REAL THING HERE</a:t>
-            </a:r>
-            <a:endParaRPr lang="en-US" dirty="0"/>
+              <a:rPr lang="en-US" dirty="0"/>
+              <a:t>Second DRAFT</a:t>
+            </a:r>
           </a:p>
         </p:txBody>
       </p:sp>
@@ -3475,7 +3936,7 @@
           <p:cNvPr id="2" name="Titel 1">
             <a:extLst>
               <a:ext uri="{FF2B5EF4-FFF2-40B4-BE49-F238E27FC236}">
-                <a16:creationId xmlns:a16="http://schemas.microsoft.com/office/drawing/2014/main" id="{E463800E-83F4-E225-2132-1392E5D733E3}"/>
+                <a16:creationId xmlns:a16="http://schemas.microsoft.com/office/drawing/2014/main" id="{37BC194D-DE4E-4E00-4B02-17CAAEA9F110}"/>
               </a:ext>
             </a:extLst>
           </p:cNvPr>
@@ -3493,7 +3954,7 @@
           <a:p>
             <a:r>
               <a:rPr lang="en-US" dirty="0"/>
-              <a:t>Value</a:t>
+              <a:t>Forecast</a:t>
             </a:r>
           </a:p>
         </p:txBody>
@@ -3503,7 +3964,7 @@
           <p:cNvPr id="3" name="Inhaltsplatzhalter 2">
             <a:extLst>
               <a:ext uri="{FF2B5EF4-FFF2-40B4-BE49-F238E27FC236}">
-                <a16:creationId xmlns:a16="http://schemas.microsoft.com/office/drawing/2014/main" id="{26AB4C48-E077-AAE3-FF52-B8E2221D0446}"/>
+                <a16:creationId xmlns:a16="http://schemas.microsoft.com/office/drawing/2014/main" id="{B2862F64-C969-1C75-057B-CF7C73E0B860}"/>
               </a:ext>
             </a:extLst>
           </p:cNvPr>
@@ -3519,14 +3980,56 @@
           <a:bodyPr/>
           <a:lstStyle/>
           <a:p>
-            <a:endParaRPr lang="en-US"/>
+            <a:r>
+              <a:rPr lang="en-US" dirty="0"/>
+              <a:t>Auto-ARIMA: seasonal decline</a:t>
+            </a:r>
+          </a:p>
+          <a:p>
+            <a:r>
+              <a:rPr lang="en-US" dirty="0"/>
+              <a:t>RF: smooth, conservative forecasts</a:t>
+            </a:r>
+          </a:p>
+          <a:p>
+            <a:r>
+              <a:rPr lang="en-US" dirty="0"/>
+              <a:t>Seasonal Naive: strong monthly swings</a:t>
+            </a:r>
+          </a:p>
+          <a:p>
+            <a:r>
+              <a:rPr lang="en-US" dirty="0"/>
+              <a:t>Higher uncertainty at seasonal transitions</a:t>
+            </a:r>
+          </a:p>
+          <a:p>
+            <a:endParaRPr lang="en-US" dirty="0"/>
+          </a:p>
+          <a:p>
+            <a:r>
+              <a:rPr lang="en-US" dirty="0"/>
+              <a:t>Strong historical seasonality</a:t>
+            </a:r>
+          </a:p>
+          <a:p>
+            <a:r>
+              <a:rPr lang="en-US" dirty="0"/>
+              <a:t>October 2025 data enables partial validation</a:t>
+            </a:r>
+          </a:p>
+          <a:p>
+            <a:r>
+              <a:rPr lang="en-US" dirty="0"/>
+              <a:t>Multiple models provide robustness </a:t>
+            </a:r>
           </a:p>
         </p:txBody>
       </p:sp>
     </p:spTree>
     <p:extLst>
       <p:ext uri="{BB962C8B-B14F-4D97-AF65-F5344CB8AC3E}">
-        <p14:creationId xmlns:p14="http://schemas.microsoft.com/office/powerpoint/2010/main" val="1579076721"/>
+        <p14:creationId xmlns:p14="http://schemas.microsoft.com/office/powerpoint/2010/main" val="214813242"/>
       </p:ext>
     </p:extLst>
   </p:cSld>
@@ -3558,6 +4061,120 @@
           <p:cNvPr id="2" name="Titel 1">
             <a:extLst>
               <a:ext uri="{FF2B5EF4-FFF2-40B4-BE49-F238E27FC236}">
+                <a16:creationId xmlns:a16="http://schemas.microsoft.com/office/drawing/2014/main" id="{E463800E-83F4-E225-2132-1392E5D733E3}"/>
+              </a:ext>
+            </a:extLst>
+          </p:cNvPr>
+          <p:cNvSpPr>
+            <a:spLocks noGrp="1"/>
+          </p:cNvSpPr>
+          <p:nvPr>
+            <p:ph type="title"/>
+          </p:nvPr>
+        </p:nvSpPr>
+        <p:spPr/>
+        <p:txBody>
+          <a:bodyPr/>
+          <a:lstStyle/>
+          <a:p>
+            <a:r>
+              <a:rPr lang="en-US" dirty="0"/>
+              <a:t>Value</a:t>
+            </a:r>
+          </a:p>
+        </p:txBody>
+      </p:sp>
+      <p:sp>
+        <p:nvSpPr>
+          <p:cNvPr id="3" name="Inhaltsplatzhalter 2">
+            <a:extLst>
+              <a:ext uri="{FF2B5EF4-FFF2-40B4-BE49-F238E27FC236}">
+                <a16:creationId xmlns:a16="http://schemas.microsoft.com/office/drawing/2014/main" id="{26AB4C48-E077-AAE3-FF52-B8E2221D0446}"/>
+              </a:ext>
+            </a:extLst>
+          </p:cNvPr>
+          <p:cNvSpPr>
+            <a:spLocks noGrp="1"/>
+          </p:cNvSpPr>
+          <p:nvPr>
+            <p:ph idx="1"/>
+          </p:nvPr>
+        </p:nvSpPr>
+        <p:spPr/>
+        <p:txBody>
+          <a:bodyPr/>
+          <a:lstStyle/>
+          <a:p>
+            <a:r>
+              <a:rPr lang="en-US" dirty="0"/>
+              <a:t>Better import planning</a:t>
+            </a:r>
+          </a:p>
+          <a:p>
+            <a:r>
+              <a:rPr lang="en-US" dirty="0" err="1"/>
+              <a:t>Seperation</a:t>
+            </a:r>
+            <a:r>
+              <a:rPr lang="en-US" dirty="0"/>
+              <a:t> on demand vs. price effects</a:t>
+            </a:r>
+          </a:p>
+          <a:p>
+            <a:r>
+              <a:rPr lang="en-US" dirty="0"/>
+              <a:t>Reduced risk from assumptions</a:t>
+            </a:r>
+          </a:p>
+          <a:p>
+            <a:r>
+              <a:rPr lang="en-US" dirty="0"/>
+              <a:t>Data-driven economic interpretation</a:t>
+            </a:r>
+          </a:p>
+          <a:p>
+            <a:pPr marL="0" indent="0">
+              <a:buNone/>
+            </a:pPr>
+            <a:endParaRPr lang="en-US" dirty="0"/>
+          </a:p>
+        </p:txBody>
+      </p:sp>
+    </p:spTree>
+    <p:extLst>
+      <p:ext uri="{BB962C8B-B14F-4D97-AF65-F5344CB8AC3E}">
+        <p14:creationId xmlns:p14="http://schemas.microsoft.com/office/powerpoint/2010/main" val="1579076721"/>
+      </p:ext>
+    </p:extLst>
+  </p:cSld>
+  <p:clrMapOvr>
+    <a:masterClrMapping/>
+  </p:clrMapOvr>
+</p:sld>
+</file>
+
+<file path=ppt/slides/slide12.xml><?xml version="1.0" encoding="utf-8"?>
+<p:sld xmlns:a="http://schemas.openxmlformats.org/drawingml/2006/main" xmlns:r="http://schemas.openxmlformats.org/officeDocument/2006/relationships" xmlns:p="http://schemas.openxmlformats.org/presentationml/2006/main">
+  <p:cSld>
+    <p:spTree>
+      <p:nvGrpSpPr>
+        <p:cNvPr id="1" name=""/>
+        <p:cNvGrpSpPr/>
+        <p:nvPr/>
+      </p:nvGrpSpPr>
+      <p:grpSpPr>
+        <a:xfrm>
+          <a:off x="0" y="0"/>
+          <a:ext cx="0" cy="0"/>
+          <a:chOff x="0" y="0"/>
+          <a:chExt cx="0" cy="0"/>
+        </a:xfrm>
+      </p:grpSpPr>
+      <p:sp>
+        <p:nvSpPr>
+          <p:cNvPr id="2" name="Titel 1">
+            <a:extLst>
+              <a:ext uri="{FF2B5EF4-FFF2-40B4-BE49-F238E27FC236}">
                 <a16:creationId xmlns:a16="http://schemas.microsoft.com/office/drawing/2014/main" id="{4B0DD05C-F5B0-27A5-751E-A0EE652AB805}"/>
               </a:ext>
             </a:extLst>
@@ -3602,7 +4219,7 @@
           <a:bodyPr/>
           <a:lstStyle/>
           <a:p>
-            <a:endParaRPr lang="en-US"/>
+            <a:endParaRPr lang="en-US" dirty="0"/>
           </a:p>
         </p:txBody>
       </p:sp>
@@ -3694,16 +4311,30 @@
             <a:pPr lvl="1"/>
             <a:r>
               <a:rPr lang="en-US" dirty="0"/>
-              <a:t>Coder</a:t>
+              <a:t>Data Preprocessing</a:t>
             </a:r>
           </a:p>
           <a:p>
             <a:pPr lvl="1"/>
             <a:r>
               <a:rPr lang="en-US" dirty="0"/>
+              <a:t>ML &amp; Neural</a:t>
+            </a:r>
+          </a:p>
+          <a:p>
+            <a:pPr lvl="1"/>
+            <a:r>
+              <a:rPr lang="en-US" dirty="0"/>
               <a:t>Analysis</a:t>
             </a:r>
           </a:p>
+          <a:p>
+            <a:pPr lvl="1"/>
+            <a:r>
+              <a:rPr lang="en-US" dirty="0"/>
+              <a:t>Main Coder</a:t>
+            </a:r>
+          </a:p>
         </p:txBody>
       </p:sp>
       <p:sp>
@@ -3736,6 +4367,13 @@
             <a:pPr lvl="1"/>
             <a:r>
               <a:rPr lang="en-US" dirty="0"/>
+              <a:t>Baseline &amp; Statistical</a:t>
+            </a:r>
+          </a:p>
+          <a:p>
+            <a:pPr lvl="1"/>
+            <a:r>
+              <a:rPr lang="en-US" dirty="0"/>
               <a:t>Documentation </a:t>
             </a:r>
           </a:p>
@@ -3745,6 +4383,14 @@
               <a:rPr lang="en-US" dirty="0"/>
               <a:t>Analysis</a:t>
             </a:r>
+          </a:p>
+          <a:p>
+            <a:pPr lvl="1"/>
+            <a:r>
+              <a:rPr lang="en-US" dirty="0" err="1"/>
+              <a:t>Pitchdeck</a:t>
+            </a:r>
+            <a:endParaRPr lang="en-US" dirty="0"/>
           </a:p>
         </p:txBody>
       </p:sp>
@@ -3801,7 +4447,7 @@
           <a:p>
             <a:r>
               <a:rPr lang="en-US" dirty="0"/>
-              <a:t>Problem: How to know what amount of kg is exported and imported in the next months? </a:t>
+              <a:t>Problem</a:t>
             </a:r>
           </a:p>
         </p:txBody>
@@ -3829,8 +4475,29 @@
           <a:p>
             <a:r>
               <a:rPr lang="en-US" dirty="0"/>
-              <a:t>To be able to not make more or less then the amount ultimately sold</a:t>
-            </a:r>
+              <a:t>Import values rising – why?</a:t>
+            </a:r>
+          </a:p>
+          <a:p>
+            <a:r>
+              <a:rPr lang="en-US" dirty="0"/>
+              <a:t>Demand growth vs. price inflation unclear</a:t>
+            </a:r>
+          </a:p>
+          <a:p>
+            <a:r>
+              <a:rPr lang="en-US" dirty="0"/>
+              <a:t>No reliable short-term forecast for planning</a:t>
+            </a:r>
+          </a:p>
+          <a:p>
+            <a:r>
+              <a:rPr lang="en-US" dirty="0"/>
+              <a:t>Risk of wrong economic &amp; business desc</a:t>
+            </a:r>
+          </a:p>
+          <a:p>
+            <a:endParaRPr lang="en-US" dirty="0"/>
           </a:p>
           <a:p>
             <a:endParaRPr lang="en-US" dirty="0"/>
@@ -3918,19 +4585,31 @@
           <a:p>
             <a:r>
               <a:rPr lang="en-US" dirty="0"/>
-              <a:t>Predicting 4 months: October 2025 – January 2026</a:t>
-            </a:r>
-          </a:p>
-          <a:p>
-            <a:r>
-              <a:rPr lang="en-US" dirty="0"/>
-              <a:t>Only get October 2025 data available in time for presentation so we will use this to see how accurate </a:t>
-            </a:r>
-            <a:r>
-              <a:rPr lang="en-US"/>
-              <a:t>our prediction is</a:t>
+              <a:t>Clean &amp; Inflation-adjusted data</a:t>
+            </a:r>
+          </a:p>
+          <a:p>
+            <a:r>
+              <a:rPr lang="en-US" dirty="0"/>
+              <a:t>Analyze seasonality, trend and </a:t>
+            </a:r>
+            <a:r>
+              <a:rPr lang="en-US" dirty="0" err="1"/>
+              <a:t>stationairy</a:t>
             </a:r>
             <a:endParaRPr lang="en-US" dirty="0"/>
+          </a:p>
+          <a:p>
+            <a:r>
+              <a:rPr lang="en-US" dirty="0"/>
+              <a:t>Compare baseline, statistical, ML and neural models</a:t>
+            </a:r>
+          </a:p>
+          <a:p>
+            <a:r>
+              <a:rPr lang="en-US" dirty="0"/>
+              <a:t>Product short-term forecasts up to Jan 2026</a:t>
+            </a:r>
           </a:p>
         </p:txBody>
       </p:sp>
@@ -4046,7 +4725,16 @@
             </a:r>
           </a:p>
           <a:p>
-            <a:endParaRPr lang="en-US" dirty="0"/>
+            <a:r>
+              <a:rPr lang="en-US" dirty="0"/>
+              <a:t>Section 9: Coffee, Tea, Mate, Spices</a:t>
+            </a:r>
+          </a:p>
+          <a:p>
+            <a:r>
+              <a:rPr lang="en-US" dirty="0"/>
+              <a:t>Quantities (kg) and values (EUR)</a:t>
+            </a:r>
           </a:p>
         </p:txBody>
       </p:sp>
@@ -4131,7 +4819,19 @@
           <a:p>
             <a:r>
               <a:rPr lang="en-US" dirty="0"/>
-              <a:t>Firstly ordered the data by months by hand before using Python for simplicity sake</a:t>
+              <a:t>Cleaned raw CSVs and reordered months</a:t>
+            </a:r>
+          </a:p>
+          <a:p>
+            <a:r>
+              <a:rPr lang="en-US" dirty="0"/>
+              <a:t>Standardized timestamps and column names </a:t>
+            </a:r>
+          </a:p>
+          <a:p>
+            <a:r>
+              <a:rPr lang="en-US" dirty="0"/>
+              <a:t>Converted values to real 2025 value of euro</a:t>
             </a:r>
           </a:p>
         </p:txBody>
@@ -4212,10 +4912,72 @@
         </p:nvSpPr>
         <p:spPr/>
         <p:txBody>
-          <a:bodyPr/>
-          <a:lstStyle/>
-          <a:p>
-            <a:endParaRPr lang="en-US"/>
+          <a:bodyPr>
+            <a:normAutofit lnSpcReduction="10000"/>
+          </a:bodyPr>
+          <a:lstStyle/>
+          <a:p>
+            <a:r>
+              <a:rPr lang="en-US" dirty="0"/>
+              <a:t>Baseline: Naive, Seasonal Naive, Historic Average</a:t>
+            </a:r>
+          </a:p>
+          <a:p>
+            <a:r>
+              <a:rPr lang="en-US" dirty="0" err="1"/>
+              <a:t>Statisitical</a:t>
+            </a:r>
+            <a:r>
+              <a:rPr lang="en-US" dirty="0"/>
+              <a:t>: Random Walk, ARIMA, Auto-ARIMA</a:t>
+            </a:r>
+          </a:p>
+          <a:p>
+            <a:r>
+              <a:rPr lang="en-US" dirty="0"/>
+              <a:t>ML: Linear, Ridge, Random Forest, Gradient Boosting</a:t>
+            </a:r>
+          </a:p>
+          <a:p>
+            <a:r>
+              <a:rPr lang="en-US" dirty="0"/>
+              <a:t>Neural: RNN, MLP, N-Beats, NHITS </a:t>
+            </a:r>
+          </a:p>
+          <a:p>
+            <a:endParaRPr lang="en-US" dirty="0"/>
+          </a:p>
+          <a:p>
+            <a:r>
+              <a:rPr lang="en-US" dirty="0"/>
+              <a:t>Baseline for performance floor</a:t>
+            </a:r>
+          </a:p>
+          <a:p>
+            <a:r>
+              <a:rPr lang="en-US" dirty="0"/>
+              <a:t>Stat </a:t>
+            </a:r>
+            <a:r>
+              <a:rPr lang="en-US" dirty="0" err="1"/>
+              <a:t>fr</a:t>
+            </a:r>
+            <a:r>
+              <a:rPr lang="en-US" dirty="0"/>
+              <a:t>  trend &amp; seasonality</a:t>
+            </a:r>
+          </a:p>
+          <a:p>
+            <a:r>
+              <a:rPr lang="en-US" dirty="0"/>
+              <a:t>ML nonlinear</a:t>
+            </a:r>
+          </a:p>
+          <a:p>
+            <a:r>
+              <a:rPr lang="en-US" dirty="0"/>
+              <a:t>Neural more complex dynamically (?)</a:t>
+            </a:r>
           </a:p>
         </p:txBody>
       </p:sp>
@@ -4298,7 +5060,28 @@
           <a:bodyPr/>
           <a:lstStyle/>
           <a:p>
-            <a:endParaRPr lang="en-US"/>
+            <a:r>
+              <a:rPr lang="en-US" dirty="0"/>
+              <a:t>Time-based split</a:t>
+            </a:r>
+          </a:p>
+          <a:p>
+            <a:r>
+              <a:rPr lang="en-US" dirty="0"/>
+              <a:t>Train, Val, Test splits</a:t>
+            </a:r>
+          </a:p>
+          <a:p>
+            <a:r>
+              <a:rPr lang="en-US" dirty="0"/>
+              <a:t>Metrics: MAE, RMSE, MAPE, R2, OPE</a:t>
+            </a:r>
+          </a:p>
+          <a:p>
+            <a:r>
+              <a:rPr lang="en-US" dirty="0"/>
+              <a:t>Visual forecast comparison</a:t>
+            </a:r>
           </a:p>
         </p:txBody>
       </p:sp>
@@ -4318,6 +5101,14 @@
 <file path=ppt/slides/slide9.xml><?xml version="1.0" encoding="utf-8"?>
 <p:sld xmlns:a="http://schemas.openxmlformats.org/drawingml/2006/main" xmlns:r="http://schemas.openxmlformats.org/officeDocument/2006/relationships" xmlns:p="http://schemas.openxmlformats.org/presentationml/2006/main">
   <p:cSld>
+    <p:bg>
+      <p:bgPr>
+        <a:solidFill>
+          <a:schemeClr val="bg1"/>
+        </a:solidFill>
+        <a:effectLst/>
+      </p:bgPr>
+    </p:bg>
     <p:spTree>
       <p:nvGrpSpPr>
         <p:cNvPr id="1" name=""/>
@@ -4332,12 +5123,72 @@
           <a:chExt cx="0" cy="0"/>
         </a:xfrm>
       </p:grpSpPr>
+      <p:sp useBgFill="1">
+        <p:nvSpPr>
+          <p:cNvPr id="17" name="Rectangle 16">
+            <a:extLst>
+              <a:ext uri="{FF2B5EF4-FFF2-40B4-BE49-F238E27FC236}">
+                <a16:creationId xmlns:a16="http://schemas.microsoft.com/office/drawing/2014/main" id="{2ABE1108-6423-4E53-85A1-817683043C77}"/>
+              </a:ext>
+              <a:ext uri="{C183D7F6-B498-43B3-948B-1728B52AA6E4}">
+                <adec:decorative xmlns:adec="http://schemas.microsoft.com/office/drawing/2017/decorative" val="1"/>
+              </a:ext>
+            </a:extLst>
+          </p:cNvPr>
+          <p:cNvSpPr>
+            <a:spLocks noGrp="1" noRot="1" noChangeAspect="1" noMove="1" noResize="1" noEditPoints="1" noAdjustHandles="1" noChangeArrowheads="1" noChangeShapeType="1" noTextEdit="1"/>
+          </p:cNvSpPr>
+          <p:nvPr>
+            <p:extLst>
+              <p:ext uri="{386F3935-93C4-4BCD-93E2-E3B085C9AB24}">
+                <p16:designElem xmlns:p16="http://schemas.microsoft.com/office/powerpoint/2015/main" val="1"/>
+              </p:ext>
+            </p:extLst>
+          </p:nvPr>
+        </p:nvSpPr>
+        <p:spPr>
+          <a:xfrm>
+            <a:off x="-1" y="0"/>
+            <a:ext cx="12188952" cy="6858000"/>
+          </a:xfrm>
+          <a:prstGeom prst="rect">
+            <a:avLst/>
+          </a:prstGeom>
+          <a:ln>
+            <a:noFill/>
+          </a:ln>
+        </p:spPr>
+        <p:style>
+          <a:lnRef idx="2">
+            <a:schemeClr val="accent1">
+              <a:shade val="50000"/>
+            </a:schemeClr>
+          </a:lnRef>
+          <a:fillRef idx="1">
+            <a:schemeClr val="accent1"/>
+          </a:fillRef>
+          <a:effectRef idx="0">
+            <a:schemeClr val="accent1"/>
+          </a:effectRef>
+          <a:fontRef idx="minor">
+            <a:schemeClr val="lt1"/>
+          </a:fontRef>
+        </p:style>
+        <p:txBody>
+          <a:bodyPr rtlCol="0" anchor="ctr"/>
+          <a:lstStyle/>
+          <a:p>
+            <a:pPr algn="ctr"/>
+            <a:endParaRPr lang="en-US"/>
+          </a:p>
+        </p:txBody>
+      </p:sp>
       <p:sp>
         <p:nvSpPr>
           <p:cNvPr id="2" name="Titel 1">
             <a:extLst>
               <a:ext uri="{FF2B5EF4-FFF2-40B4-BE49-F238E27FC236}">
-                <a16:creationId xmlns:a16="http://schemas.microsoft.com/office/drawing/2014/main" id="{37BC194D-DE4E-4E00-4B02-17CAAEA9F110}"/>
+                <a16:creationId xmlns:a16="http://schemas.microsoft.com/office/drawing/2014/main" id="{C3D60865-55F0-C80A-E221-AB4DA400DF1C}"/>
               </a:ext>
             </a:extLst>
           </p:cNvPr>
@@ -4348,24 +5199,124 @@
             <p:ph type="title"/>
           </p:nvPr>
         </p:nvSpPr>
-        <p:spPr/>
-        <p:txBody>
-          <a:bodyPr/>
-          <a:lstStyle/>
-          <a:p>
-            <a:r>
-              <a:rPr lang="en-US" dirty="0"/>
-              <a:t>Forecast</a:t>
-            </a:r>
-          </a:p>
-        </p:txBody>
-      </p:sp>
+        <p:spPr>
+          <a:xfrm>
+            <a:off x="4833366" y="543070"/>
+            <a:ext cx="6870954" cy="1675626"/>
+          </a:xfrm>
+        </p:spPr>
+        <p:txBody>
+          <a:bodyPr>
+            <a:normAutofit/>
+          </a:bodyPr>
+          <a:lstStyle/>
+          <a:p>
+            <a:r>
+              <a:rPr lang="en-US" sz="4000"/>
+              <a:t>Best Performing Models</a:t>
+            </a:r>
+          </a:p>
+        </p:txBody>
+      </p:sp>
+      <p:pic>
+        <p:nvPicPr>
+          <p:cNvPr id="10" name="Grafik 9" descr="Ein Bild, das Text, Reihe, Diagramm, Schrift enthält.&#10;&#10;KI-generierte Inhalte können fehlerhaft sein.">
+            <a:extLst>
+              <a:ext uri="{FF2B5EF4-FFF2-40B4-BE49-F238E27FC236}">
+                <a16:creationId xmlns:a16="http://schemas.microsoft.com/office/drawing/2014/main" id="{EAB4158B-AD27-D2D3-A987-2BF0CDF180AF}"/>
+              </a:ext>
+            </a:extLst>
+          </p:cNvPr>
+          <p:cNvPicPr>
+            <a:picLocks noChangeAspect="1"/>
+          </p:cNvPicPr>
+          <p:nvPr/>
+        </p:nvPicPr>
+        <p:blipFill>
+          <a:blip r:embed="rId2"/>
+          <a:srcRect r="9071" b="-3"/>
+          <a:stretch>
+            <a:fillRect/>
+          </a:stretch>
+        </p:blipFill>
+        <p:spPr>
+          <a:xfrm>
+            <a:off x="20" y="1"/>
+            <a:ext cx="4187091" cy="2164321"/>
+          </a:xfrm>
+          <a:prstGeom prst="rect">
+            <a:avLst/>
+          </a:prstGeom>
+        </p:spPr>
+      </p:pic>
+      <p:pic>
+        <p:nvPicPr>
+          <p:cNvPr id="12" name="Grafik 11" descr="Ein Bild, das Text, Schrift, Reihe, Diagramm enthält.&#10;&#10;KI-generierte Inhalte können fehlerhaft sein.">
+            <a:extLst>
+              <a:ext uri="{FF2B5EF4-FFF2-40B4-BE49-F238E27FC236}">
+                <a16:creationId xmlns:a16="http://schemas.microsoft.com/office/drawing/2014/main" id="{1DCB26E9-CD47-28ED-0EA5-2C0897CA9193}"/>
+              </a:ext>
+            </a:extLst>
+          </p:cNvPr>
+          <p:cNvPicPr>
+            <a:picLocks noChangeAspect="1"/>
+          </p:cNvPicPr>
+          <p:nvPr/>
+        </p:nvPicPr>
+        <p:blipFill>
+          <a:blip r:embed="rId3"/>
+          <a:srcRect r="9071" b="-3"/>
+          <a:stretch>
+            <a:fillRect/>
+          </a:stretch>
+        </p:blipFill>
+        <p:spPr>
+          <a:xfrm>
+            <a:off x="20" y="2342320"/>
+            <a:ext cx="4187091" cy="2164321"/>
+          </a:xfrm>
+          <a:prstGeom prst="rect">
+            <a:avLst/>
+          </a:prstGeom>
+        </p:spPr>
+      </p:pic>
+      <p:pic>
+        <p:nvPicPr>
+          <p:cNvPr id="8" name="Grafik 7" descr="Ein Bild, das Text, Schrift, Handschrift, Reihe enthält.&#10;&#10;KI-generierte Inhalte können fehlerhaft sein.">
+            <a:extLst>
+              <a:ext uri="{FF2B5EF4-FFF2-40B4-BE49-F238E27FC236}">
+                <a16:creationId xmlns:a16="http://schemas.microsoft.com/office/drawing/2014/main" id="{D7CC4F7A-755E-DEAB-A034-7C56F61E2E06}"/>
+              </a:ext>
+            </a:extLst>
+          </p:cNvPr>
+          <p:cNvPicPr>
+            <a:picLocks noChangeAspect="1"/>
+          </p:cNvPicPr>
+          <p:nvPr/>
+        </p:nvPicPr>
+        <p:blipFill>
+          <a:blip r:embed="rId4"/>
+          <a:srcRect r="9071" b="-3"/>
+          <a:stretch>
+            <a:fillRect/>
+          </a:stretch>
+        </p:blipFill>
+        <p:spPr>
+          <a:xfrm>
+            <a:off x="20" y="4693680"/>
+            <a:ext cx="4187091" cy="2164321"/>
+          </a:xfrm>
+          <a:prstGeom prst="rect">
+            <a:avLst/>
+          </a:prstGeom>
+        </p:spPr>
+      </p:pic>
       <p:sp>
         <p:nvSpPr>
           <p:cNvPr id="3" name="Inhaltsplatzhalter 2">
             <a:extLst>
               <a:ext uri="{FF2B5EF4-FFF2-40B4-BE49-F238E27FC236}">
-                <a16:creationId xmlns:a16="http://schemas.microsoft.com/office/drawing/2014/main" id="{B2862F64-C969-1C75-057B-CF7C73E0B860}"/>
+                <a16:creationId xmlns:a16="http://schemas.microsoft.com/office/drawing/2014/main" id="{12FBDCAC-51F7-AFE4-6863-90E2CE5388C0}"/>
               </a:ext>
             </a:extLst>
           </p:cNvPr>
@@ -4376,19 +5327,41 @@
             <p:ph idx="1"/>
           </p:nvPr>
         </p:nvSpPr>
-        <p:spPr/>
-        <p:txBody>
-          <a:bodyPr/>
-          <a:lstStyle/>
-          <a:p>
-            <a:endParaRPr lang="en-US"/>
+        <p:spPr>
+          <a:xfrm>
+            <a:off x="4833366" y="2399720"/>
+            <a:ext cx="6870954" cy="3736507"/>
+          </a:xfrm>
+        </p:spPr>
+        <p:txBody>
+          <a:bodyPr>
+            <a:normAutofit/>
+          </a:bodyPr>
+          <a:lstStyle/>
+          <a:p>
+            <a:r>
+              <a:rPr lang="en-US" sz="2000"/>
+              <a:t>Auto-ARIMA </a:t>
+            </a:r>
+          </a:p>
+          <a:p>
+            <a:r>
+              <a:rPr lang="en-US" sz="2000"/>
+              <a:t>Random Forest</a:t>
+            </a:r>
+          </a:p>
+          <a:p>
+            <a:r>
+              <a:rPr lang="en-US" sz="2000"/>
+              <a:t>Seasonal Naive</a:t>
+            </a:r>
           </a:p>
         </p:txBody>
       </p:sp>
     </p:spTree>
     <p:extLst>
       <p:ext uri="{BB962C8B-B14F-4D97-AF65-F5344CB8AC3E}">
-        <p14:creationId xmlns:p14="http://schemas.microsoft.com/office/powerpoint/2010/main" val="214813242"/>
+        <p14:creationId xmlns:p14="http://schemas.microsoft.com/office/powerpoint/2010/main" val="4016463256"/>
       </p:ext>
     </p:extLst>
   </p:cSld>
@@ -4711,4 +5684,319 @@
     </a:ext>
   </a:extLst>
 </a:theme>
+</file>
+
+<file path=ppt/theme/theme2.xml><?xml version="1.0" encoding="utf-8"?>
+<a:theme xmlns:a="http://schemas.openxmlformats.org/drawingml/2006/main" name="Office">
+  <a:themeElements>
+    <a:clrScheme name="Office">
+      <a:dk1>
+        <a:sysClr val="windowText" lastClr="000000"/>
+      </a:dk1>
+      <a:lt1>
+        <a:sysClr val="window" lastClr="FFFFFF"/>
+      </a:lt1>
+      <a:dk2>
+        <a:srgbClr val="0E2841"/>
+      </a:dk2>
+      <a:lt2>
+        <a:srgbClr val="E8E8E8"/>
+      </a:lt2>
+      <a:accent1>
+        <a:srgbClr val="156082"/>
+      </a:accent1>
+      <a:accent2>
+        <a:srgbClr val="E97132"/>
+      </a:accent2>
+      <a:accent3>
+        <a:srgbClr val="196B24"/>
+      </a:accent3>
+      <a:accent4>
+        <a:srgbClr val="0F9ED5"/>
+      </a:accent4>
+      <a:accent5>
+        <a:srgbClr val="A02B93"/>
+      </a:accent5>
+      <a:accent6>
+        <a:srgbClr val="4EA72E"/>
+      </a:accent6>
+      <a:hlink>
+        <a:srgbClr val="467886"/>
+      </a:hlink>
+      <a:folHlink>
+        <a:srgbClr val="96607D"/>
+      </a:folHlink>
+    </a:clrScheme>
+    <a:fontScheme name="Office">
+      <a:majorFont>
+        <a:latin typeface="Aptos Display" panose="02110004020202020204"/>
+        <a:ea typeface=""/>
+        <a:cs typeface=""/>
+        <a:font script="Jpan" typeface="游ゴシック Light"/>
+        <a:font script="Hang" typeface="맑은 고딕"/>
+        <a:font script="Hans" typeface="等线 Light"/>
+        <a:font script="Hant" typeface="新細明體"/>
+        <a:font script="Arab" typeface="Times New Roman"/>
+        <a:font script="Hebr" typeface="Times New Roman"/>
+        <a:font script="Thai" typeface="Angsana New"/>
+        <a:font script="Ethi" typeface="Nyala"/>
+        <a:font script="Beng" typeface="Vrinda"/>
+        <a:font script="Gujr" typeface="Shruti"/>
+        <a:font script="Khmr" typeface="MoolBoran"/>
+        <a:font script="Knda" typeface="Tunga"/>
+        <a:font script="Guru" typeface="Raavi"/>
+        <a:font script="Cans" typeface="Euphemia"/>
+        <a:font script="Cher" typeface="Plantagenet Cherokee"/>
+        <a:font script="Yiii" typeface="Microsoft Yi Baiti"/>
+        <a:font script="Tibt" typeface="Microsoft Himalaya"/>
+        <a:font script="Thaa" typeface="MV Boli"/>
+        <a:font script="Deva" typeface="Mangal"/>
+        <a:font script="Telu" typeface="Gautami"/>
+        <a:font script="Taml" typeface="Latha"/>
+        <a:font script="Syrc" typeface="Estrangelo Edessa"/>
+        <a:font script="Orya" typeface="Kalinga"/>
+        <a:font script="Mlym" typeface="Kartika"/>
+        <a:font script="Laoo" typeface="DokChampa"/>
+        <a:font script="Sinh" typeface="Iskoola Pota"/>
+        <a:font script="Mong" typeface="Mongolian Baiti"/>
+        <a:font script="Viet" typeface="Times New Roman"/>
+        <a:font script="Uigh" typeface="Microsoft Uighur"/>
+        <a:font script="Geor" typeface="Sylfaen"/>
+        <a:font script="Armn" typeface="Arial"/>
+        <a:font script="Bugi" typeface="Leelawadee UI"/>
+        <a:font script="Bopo" typeface="Microsoft JhengHei"/>
+        <a:font script="Java" typeface="Javanese Text"/>
+        <a:font script="Lisu" typeface="Segoe UI"/>
+        <a:font script="Mymr" typeface="Myanmar Text"/>
+        <a:font script="Nkoo" typeface="Ebrima"/>
+        <a:font script="Olck" typeface="Nirmala UI"/>
+        <a:font script="Osma" typeface="Ebrima"/>
+        <a:font script="Phag" typeface="Phagspa"/>
+        <a:font script="Syrn" typeface="Estrangelo Edessa"/>
+        <a:font script="Syrj" typeface="Estrangelo Edessa"/>
+        <a:font script="Syre" typeface="Estrangelo Edessa"/>
+        <a:font script="Sora" typeface="Nirmala UI"/>
+        <a:font script="Tale" typeface="Microsoft Tai Le"/>
+        <a:font script="Talu" typeface="Microsoft New Tai Lue"/>
+        <a:font script="Tfng" typeface="Ebrima"/>
+      </a:majorFont>
+      <a:minorFont>
+        <a:latin typeface="Aptos" panose="02110004020202020204"/>
+        <a:ea typeface=""/>
+        <a:cs typeface=""/>
+        <a:font script="Jpan" typeface="游ゴシック"/>
+        <a:font script="Hang" typeface="맑은 고딕"/>
+        <a:font script="Hans" typeface="等线"/>
+        <a:font script="Hant" typeface="新細明體"/>
+        <a:font script="Arab" typeface="Arial"/>
+        <a:font script="Hebr" typeface="Arial"/>
+        <a:font script="Thai" typeface="Cordia New"/>
+        <a:font script="Ethi" typeface="Nyala"/>
+        <a:font script="Beng" typeface="Vrinda"/>
+        <a:font script="Gujr" typeface="Shruti"/>
+        <a:font script="Khmr" typeface="DaunPenh"/>
+        <a:font script="Knda" typeface="Tunga"/>
+        <a:font script="Guru" typeface="Raavi"/>
+        <a:font script="Cans" typeface="Euphemia"/>
+        <a:font script="Cher" typeface="Plantagenet Cherokee"/>
+        <a:font script="Yiii" typeface="Microsoft Yi Baiti"/>
+        <a:font script="Tibt" typeface="Microsoft Himalaya"/>
+        <a:font script="Thaa" typeface="MV Boli"/>
+        <a:font script="Deva" typeface="Mangal"/>
+        <a:font script="Telu" typeface="Gautami"/>
+        <a:font script="Taml" typeface="Latha"/>
+        <a:font script="Syrc" typeface="Estrangelo Edessa"/>
+        <a:font script="Orya" typeface="Kalinga"/>
+        <a:font script="Mlym" typeface="Kartika"/>
+        <a:font script="Laoo" typeface="DokChampa"/>
+        <a:font script="Sinh" typeface="Iskoola Pota"/>
+        <a:font script="Mong" typeface="Mongolian Baiti"/>
+        <a:font script="Viet" typeface="Arial"/>
+        <a:font script="Uigh" typeface="Microsoft Uighur"/>
+        <a:font script="Geor" typeface="Sylfaen"/>
+        <a:font script="Armn" typeface="Arial"/>
+        <a:font script="Bugi" typeface="Leelawadee UI"/>
+        <a:font script="Bopo" typeface="Microsoft JhengHei"/>
+        <a:font script="Java" typeface="Javanese Text"/>
+        <a:font script="Lisu" typeface="Segoe UI"/>
+        <a:font script="Mymr" typeface="Myanmar Text"/>
+        <a:font script="Nkoo" typeface="Ebrima"/>
+        <a:font script="Olck" typeface="Nirmala UI"/>
+        <a:font script="Osma" typeface="Ebrima"/>
+        <a:font script="Phag" typeface="Phagspa"/>
+        <a:font script="Syrn" typeface="Estrangelo Edessa"/>
+        <a:font script="Syrj" typeface="Estrangelo Edessa"/>
+        <a:font script="Syre" typeface="Estrangelo Edessa"/>
+        <a:font script="Sora" typeface="Nirmala UI"/>
+        <a:font script="Tale" typeface="Microsoft Tai Le"/>
+        <a:font script="Talu" typeface="Microsoft New Tai Lue"/>
+        <a:font script="Tfng" typeface="Ebrima"/>
+      </a:minorFont>
+    </a:fontScheme>
+    <a:fmtScheme name="Office">
+      <a:fillStyleLst>
+        <a:solidFill>
+          <a:schemeClr val="phClr"/>
+        </a:solidFill>
+        <a:gradFill rotWithShape="1">
+          <a:gsLst>
+            <a:gs pos="0">
+              <a:schemeClr val="phClr">
+                <a:lumMod val="110000"/>
+                <a:satMod val="105000"/>
+                <a:tint val="67000"/>
+              </a:schemeClr>
+            </a:gs>
+            <a:gs pos="50000">
+              <a:schemeClr val="phClr">
+                <a:lumMod val="105000"/>
+                <a:satMod val="103000"/>
+                <a:tint val="73000"/>
+              </a:schemeClr>
+            </a:gs>
+            <a:gs pos="100000">
+              <a:schemeClr val="phClr">
+                <a:lumMod val="105000"/>
+                <a:satMod val="109000"/>
+                <a:tint val="81000"/>
+              </a:schemeClr>
+            </a:gs>
+          </a:gsLst>
+          <a:lin ang="5400000" scaled="0"/>
+        </a:gradFill>
+        <a:gradFill rotWithShape="1">
+          <a:gsLst>
+            <a:gs pos="0">
+              <a:schemeClr val="phClr">
+                <a:satMod val="103000"/>
+                <a:lumMod val="102000"/>
+                <a:tint val="94000"/>
+              </a:schemeClr>
+            </a:gs>
+            <a:gs pos="50000">
+              <a:schemeClr val="phClr">
+                <a:satMod val="110000"/>
+                <a:lumMod val="100000"/>
+                <a:shade val="100000"/>
+              </a:schemeClr>
+            </a:gs>
+            <a:gs pos="100000">
+              <a:schemeClr val="phClr">
+                <a:lumMod val="99000"/>
+                <a:satMod val="120000"/>
+                <a:shade val="78000"/>
+              </a:schemeClr>
+            </a:gs>
+          </a:gsLst>
+          <a:lin ang="5400000" scaled="0"/>
+        </a:gradFill>
+      </a:fillStyleLst>
+      <a:lnStyleLst>
+        <a:ln w="12700" cap="flat" cmpd="sng" algn="ctr">
+          <a:solidFill>
+            <a:schemeClr val="phClr"/>
+          </a:solidFill>
+          <a:prstDash val="solid"/>
+          <a:miter lim="800000"/>
+        </a:ln>
+        <a:ln w="19050" cap="flat" cmpd="sng" algn="ctr">
+          <a:solidFill>
+            <a:schemeClr val="phClr"/>
+          </a:solidFill>
+          <a:prstDash val="solid"/>
+          <a:miter lim="800000"/>
+        </a:ln>
+        <a:ln w="25400" cap="flat" cmpd="sng" algn="ctr">
+          <a:solidFill>
+            <a:schemeClr val="phClr"/>
+          </a:solidFill>
+          <a:prstDash val="solid"/>
+          <a:miter lim="800000"/>
+        </a:ln>
+      </a:lnStyleLst>
+      <a:effectStyleLst>
+        <a:effectStyle>
+          <a:effectLst/>
+        </a:effectStyle>
+        <a:effectStyle>
+          <a:effectLst/>
+        </a:effectStyle>
+        <a:effectStyle>
+          <a:effectLst>
+            <a:outerShdw blurRad="57150" dist="19050" dir="5400000" algn="ctr" rotWithShape="0">
+              <a:srgbClr val="000000">
+                <a:alpha val="63000"/>
+              </a:srgbClr>
+            </a:outerShdw>
+          </a:effectLst>
+        </a:effectStyle>
+      </a:effectStyleLst>
+      <a:bgFillStyleLst>
+        <a:solidFill>
+          <a:schemeClr val="phClr"/>
+        </a:solidFill>
+        <a:solidFill>
+          <a:schemeClr val="phClr">
+            <a:tint val="95000"/>
+            <a:satMod val="170000"/>
+          </a:schemeClr>
+        </a:solidFill>
+        <a:gradFill rotWithShape="1">
+          <a:gsLst>
+            <a:gs pos="0">
+              <a:schemeClr val="phClr">
+                <a:tint val="93000"/>
+                <a:satMod val="150000"/>
+                <a:shade val="98000"/>
+                <a:lumMod val="102000"/>
+              </a:schemeClr>
+            </a:gs>
+            <a:gs pos="50000">
+              <a:schemeClr val="phClr">
+                <a:tint val="98000"/>
+                <a:satMod val="130000"/>
+                <a:shade val="90000"/>
+                <a:lumMod val="103000"/>
+              </a:schemeClr>
+            </a:gs>
+            <a:gs pos="100000">
+              <a:schemeClr val="phClr">
+                <a:shade val="63000"/>
+                <a:satMod val="120000"/>
+              </a:schemeClr>
+            </a:gs>
+          </a:gsLst>
+          <a:lin ang="5400000" scaled="0"/>
+        </a:gradFill>
+      </a:bgFillStyleLst>
+    </a:fmtScheme>
+  </a:themeElements>
+  <a:objectDefaults>
+    <a:lnDef>
+      <a:spPr/>
+      <a:bodyPr/>
+      <a:lstStyle/>
+      <a:style>
+        <a:lnRef idx="2">
+          <a:schemeClr val="accent1"/>
+        </a:lnRef>
+        <a:fillRef idx="0">
+          <a:schemeClr val="accent1"/>
+        </a:fillRef>
+        <a:effectRef idx="1">
+          <a:schemeClr val="accent1"/>
+        </a:effectRef>
+        <a:fontRef idx="minor">
+          <a:schemeClr val="tx1"/>
+        </a:fontRef>
+      </a:style>
+    </a:lnDef>
+  </a:objectDefaults>
+  <a:extraClrSchemeLst/>
+  <a:extLst>
+    <a:ext uri="{05A4C25C-085E-4340-85A3-A5531E510DB2}">
+      <thm15:themeFamily xmlns:thm15="http://schemas.microsoft.com/office/thememl/2012/main" name="Office Theme" id="{2E142A2C-CD16-42D6-873A-C26D2A0506FA}" vid="{1BDDFF52-6CD6-40A5-AB3C-68EB2F1E4D0A}"/>
+    </a:ext>
+  </a:extLst>
+</a:theme>
 </file>